--- a/ResourceFiles/Mystic Spice Premium Chai Market Analysis Presentation.pptx
+++ b/ResourceFiles/Mystic Spice Premium Chai Market Analysis Presentation.pptx
@@ -128,14 +128,6 @@
 </p:presentation>
 </file>
 
-<file path=ppt/revisionInfo.xml><?xml version="1.0" encoding="utf-8"?>
-<p1510:revInfo xmlns:a="http://schemas.openxmlformats.org/drawingml/2006/main" xmlns:r="http://schemas.openxmlformats.org/officeDocument/2006/relationships" xmlns:p1510="http://schemas.microsoft.com/office/powerpoint/2015/10/main">
-  <p1510:revLst>
-    <p1510:client id="{1B774313-4941-475C-85B3-389B763392F1}" v="1" dt="2024-03-29T19:43:49.409"/>
-  </p1510:revLst>
-</p1510:revInfo>
-</file>
-
 <file path=ppt/notesMasters/notesMaster1.xml><?xml version="1.0" encoding="utf-8"?>
 <p:notesMaster xmlns:a="http://schemas.openxmlformats.org/drawingml/2006/main" xmlns:r="http://schemas.openxmlformats.org/officeDocument/2006/relationships" xmlns:p="http://schemas.openxmlformats.org/presentationml/2006/main">
   <p:cSld>
@@ -218,7 +210,7 @@
           <a:p>
             <a:fld id="{4B79337C-AD0D-499E-B6BA-802817985C42}" type="datetimeFigureOut">
               <a:rPr lang="en-US" smtClean="0"/>
-              <a:t>3/29/2024</a:t>
+              <a:t>6/26/2024</a:t>
             </a:fld>
             <a:endParaRPr lang="en-US"/>
           </a:p>
@@ -2104,7 +2096,7 @@
           <a:p>
             <a:fld id="{9184DA70-C731-4C70-880D-CCD4705E623C}" type="datetime1">
               <a:rPr lang="en-US" smtClean="0"/>
-              <a:t>3/29/2024</a:t>
+              <a:t>6/26/2024</a:t>
             </a:fld>
             <a:endParaRPr lang="en-US" dirty="0"/>
           </a:p>
@@ -2292,7 +2284,7 @@
           <a:p>
             <a:fld id="{B612A279-0833-481D-8C56-F67FD0AC6C50}" type="datetime1">
               <a:rPr lang="en-US" smtClean="0"/>
-              <a:t>3/29/2024</a:t>
+              <a:t>6/26/2024</a:t>
             </a:fld>
             <a:endParaRPr lang="en-US" dirty="0"/>
           </a:p>
@@ -2534,7 +2526,7 @@
           <a:p>
             <a:fld id="{6587DA83-5663-4C9C-B9AA-0B40A3DAFF81}" type="datetime1">
               <a:rPr lang="en-US" smtClean="0"/>
-              <a:t>3/29/2024</a:t>
+              <a:t>6/26/2024</a:t>
             </a:fld>
             <a:endParaRPr lang="en-US" dirty="0"/>
           </a:p>
@@ -2722,7 +2714,7 @@
           <a:p>
             <a:fld id="{4BE1D723-8F53-4F53-90B0-1982A396982E}" type="datetime1">
               <a:rPr lang="en-US" smtClean="0"/>
-              <a:t>3/29/2024</a:t>
+              <a:t>6/26/2024</a:t>
             </a:fld>
             <a:endParaRPr lang="en-US" dirty="0"/>
           </a:p>
@@ -3095,7 +3087,7 @@
           <a:p>
             <a:fld id="{97669AF7-7BEB-44E4-9852-375E34362B5B}" type="datetime1">
               <a:rPr lang="en-US" smtClean="0"/>
-              <a:t>3/29/2024</a:t>
+              <a:t>6/26/2024</a:t>
             </a:fld>
             <a:endParaRPr lang="en-US" dirty="0"/>
           </a:p>
@@ -3350,7 +3342,7 @@
           <a:p>
             <a:fld id="{BAAAC38D-0552-4C82-B593-E6124DFADBE2}" type="datetime1">
               <a:rPr lang="en-US" smtClean="0"/>
-              <a:t>3/29/2024</a:t>
+              <a:t>6/26/2024</a:t>
             </a:fld>
             <a:endParaRPr lang="en-US" dirty="0"/>
           </a:p>
@@ -3747,7 +3739,7 @@
           <a:p>
             <a:fld id="{D9DF0F1C-5577-4ACB-BB62-DF8F3C494C7E}" type="datetime1">
               <a:rPr lang="en-US" smtClean="0"/>
-              <a:t>3/29/2024</a:t>
+              <a:t>6/26/2024</a:t>
             </a:fld>
             <a:endParaRPr lang="en-US" dirty="0"/>
           </a:p>
@@ -3883,7 +3875,7 @@
           <a:p>
             <a:fld id="{1775B394-D9F9-4F0C-B15D-605F45CB9E9F}" type="datetime1">
               <a:rPr lang="en-US" smtClean="0"/>
-              <a:t>3/29/2024</a:t>
+              <a:t>6/26/2024</a:t>
             </a:fld>
             <a:endParaRPr lang="en-US" dirty="0"/>
           </a:p>
@@ -4040,7 +4032,7 @@
           <a:p>
             <a:fld id="{39667345-2558-425A-8533-9BFDBCE15005}" type="datetime1">
               <a:rPr lang="en-US" smtClean="0"/>
-              <a:t>3/29/2024</a:t>
+              <a:t>6/26/2024</a:t>
             </a:fld>
             <a:endParaRPr lang="en-US" dirty="0"/>
           </a:p>
@@ -4369,7 +4361,7 @@
           <a:p>
             <a:fld id="{92BEA474-078D-4E9B-9B14-09A87B19DC46}" type="datetime1">
               <a:rPr lang="en-US" smtClean="0"/>
-              <a:t>3/29/2024</a:t>
+              <a:t>6/26/2024</a:t>
             </a:fld>
             <a:endParaRPr lang="en-US" dirty="0"/>
           </a:p>
@@ -4719,7 +4711,7 @@
           <a:p>
             <a:fld id="{4907D986-8816-4272-A432-0437A28A9828}" type="datetime1">
               <a:rPr lang="en-US" smtClean="0"/>
-              <a:t>3/29/2024</a:t>
+              <a:t>6/26/2024</a:t>
             </a:fld>
             <a:endParaRPr lang="en-US" dirty="0"/>
           </a:p>
@@ -4980,7 +4972,7 @@
           <a:p>
             <a:fld id="{62D6E202-B606-4609-B914-27C9371A1F6D}" type="datetime1">
               <a:rPr lang="en-US" smtClean="0"/>
-              <a:t>3/29/2024</a:t>
+              <a:t>6/26/2024</a:t>
             </a:fld>
             <a:endParaRPr lang="en-US" dirty="0"/>
           </a:p>
@@ -12304,6 +12296,6 @@
 
 <file path=docMetadata/LabelInfo.xml><?xml version="1.0" encoding="utf-8"?>
 <clbl:labelList xmlns:clbl="http://schemas.microsoft.com/office/2020/mipLabelMetadata">
-  <clbl:label id="{f42aa342-8706-4288-bd11-ebb85995028c}" enabled="1" method="Standard" siteId="{72f988bf-86f1-41af-91ab-2d7cd011db47}" removed="0"/>
+  <clbl:label id="{87ba5c36-b7cf-4793-bbc2-bd5b3a9f95ca}" enabled="1" method="Privileged" siteId="{72f988bf-86f1-41af-91ab-2d7cd011db47}" removed="0"/>
 </clbl:labelList>
 </file>